--- a/C# Basics.pptx
+++ b/C# Basics.pptx
@@ -247,7 +247,7 @@
                 <a:ea typeface="Tahoma" panose="020B0604030504040204" pitchFamily="34" charset="0"/>
                 <a:cs typeface="Tahoma" panose="020B0604030504040204" pitchFamily="34" charset="0"/>
               </a:rPr>
-              <a:t>02 נובמבר 18</a:t>
+              <a:t>06 נובמבר 18</a:t>
             </a:fld>
             <a:endParaRPr lang="he-IL" dirty="0">
               <a:latin typeface="Tahoma" panose="020B0604030504040204" pitchFamily="34" charset="0"/>
@@ -534,7 +534,7 @@
             <a:fld id="{F88E257E-95FC-46EC-9539-284032A70F37}" type="datetime8">
               <a:rPr lang="he-IL" noProof="0" smtClean="0"/>
               <a:pPr algn="l"/>
-              <a:t>02 נובמבר 18</a:t>
+              <a:t>06 נובמבר 18</a:t>
             </a:fld>
             <a:endParaRPr lang="he-IL" noProof="0" dirty="0"/>
           </a:p>
@@ -3760,7 +3760,7 @@
             <a:fld id="{87055194-3DD5-4EFE-B1F0-0A8EABDAB8D5}" type="datetime8">
               <a:rPr lang="he-IL" smtClean="0"/>
               <a:pPr/>
-              <a:t>02 נובמבר 18</a:t>
+              <a:t>06 נובמבר 18</a:t>
             </a:fld>
             <a:endParaRPr lang="he-IL" dirty="0"/>
           </a:p>
@@ -3960,7 +3960,7 @@
             <a:fld id="{6BA5DE0C-9F4E-4F6A-B430-4879BBD5F9BB}" type="datetime8">
               <a:rPr lang="he-IL" smtClean="0"/>
               <a:pPr/>
-              <a:t>02 נובמבר 18</a:t>
+              <a:t>06 נובמבר 18</a:t>
             </a:fld>
             <a:endParaRPr lang="he-IL" dirty="0"/>
           </a:p>
@@ -4157,7 +4157,7 @@
             <a:fld id="{842B30E4-EE6A-43C9-AF8F-44192DEF1F96}" type="datetime8">
               <a:rPr lang="he-IL" smtClean="0"/>
               <a:pPr/>
-              <a:t>02 נובמבר 18</a:t>
+              <a:t>06 נובמבר 18</a:t>
             </a:fld>
             <a:endParaRPr lang="he-IL" dirty="0"/>
           </a:p>
@@ -4445,7 +4445,7 @@
             <a:fld id="{BB640AB3-A3E7-45E1-B171-0A79FECCC844}" type="datetime8">
               <a:rPr lang="he-IL" smtClean="0"/>
               <a:pPr/>
-              <a:t>02 נובמבר 18</a:t>
+              <a:t>06 נובמבר 18</a:t>
             </a:fld>
             <a:endParaRPr lang="he-IL" dirty="0"/>
           </a:p>
@@ -4757,7 +4757,7 @@
             <a:fld id="{619B7978-A4ED-4FD8-9C9F-9B3E1C0BAE13}" type="datetime8">
               <a:rPr lang="he-IL" smtClean="0"/>
               <a:pPr/>
-              <a:t>02 נובמבר 18</a:t>
+              <a:t>06 נובמבר 18</a:t>
             </a:fld>
             <a:endParaRPr lang="he-IL" dirty="0"/>
           </a:p>
@@ -5275,7 +5275,7 @@
             <a:fld id="{B7D0E6D8-C907-4C24-8D9D-11CF9E45280B}" type="datetime8">
               <a:rPr lang="he-IL" smtClean="0"/>
               <a:pPr/>
-              <a:t>02 נובמבר 18</a:t>
+              <a:t>06 נובמבר 18</a:t>
             </a:fld>
             <a:endParaRPr lang="he-IL" dirty="0"/>
           </a:p>
@@ -5428,7 +5428,7 @@
             <a:fld id="{63962DC1-B8BD-4928-A135-BAF072F87775}" type="datetime8">
               <a:rPr lang="he-IL" smtClean="0"/>
               <a:pPr/>
-              <a:t>02 נובמבר 18</a:t>
+              <a:t>06 נובמבר 18</a:t>
             </a:fld>
             <a:endParaRPr lang="he-IL" dirty="0"/>
           </a:p>
@@ -5550,7 +5550,7 @@
             <a:fld id="{AC697E99-AED0-4DE1-92D1-EE330CDD0AC8}" type="datetime8">
               <a:rPr lang="he-IL" smtClean="0"/>
               <a:pPr/>
-              <a:t>02 נובמבר 18</a:t>
+              <a:t>06 נובמבר 18</a:t>
             </a:fld>
             <a:endParaRPr lang="he-IL" dirty="0"/>
           </a:p>
@@ -5880,7 +5880,7 @@
             <a:fld id="{EF314660-FF17-479A-9ECA-198AA1EEE574}" type="datetime8">
               <a:rPr lang="he-IL" smtClean="0"/>
               <a:pPr/>
-              <a:t>02 נובמבר 18</a:t>
+              <a:t>06 נובמבר 18</a:t>
             </a:fld>
             <a:endParaRPr lang="he-IL" dirty="0"/>
           </a:p>
@@ -6200,7 +6200,7 @@
             <a:fld id="{0D797C58-6FD9-409C-B974-9785D604D0D3}" type="datetime8">
               <a:rPr lang="he-IL" smtClean="0"/>
               <a:pPr/>
-              <a:t>02 נובמבר 18</a:t>
+              <a:t>06 נובמבר 18</a:t>
             </a:fld>
             <a:endParaRPr lang="he-IL" dirty="0"/>
           </a:p>
@@ -6440,7 +6440,7 @@
             <a:fld id="{0B048401-D412-4A8B-948E-220992EEE568}" type="datetime8">
               <a:rPr lang="he-IL" noProof="0" smtClean="0"/>
               <a:pPr/>
-              <a:t>02 נובמבר 18</a:t>
+              <a:t>06 נובמבר 18</a:t>
             </a:fld>
             <a:endParaRPr lang="he-IL" noProof="0" dirty="0"/>
           </a:p>
@@ -7052,7 +7052,7 @@
         <p:spPr/>
         <p:txBody>
           <a:bodyPr>
-            <a:normAutofit lnSpcReduction="10000"/>
+            <a:normAutofit fontScale="92500"/>
           </a:bodyPr>
           <a:lstStyle/>
           <a:p>
@@ -7089,7 +7089,7 @@
             </a:r>
             <a:r>
               <a:rPr lang="he-IL" sz="2800" dirty="0"/>
-              <a:t> אינם עוברים בירושה</a:t>
+              <a:t> אינם נגישים במחלקות היורשות</a:t>
             </a:r>
           </a:p>
           <a:p>
@@ -7750,6 +7750,12 @@
             </a:r>
           </a:p>
           <a:p>
+            <a:r>
+              <a:rPr lang="he-IL" dirty="0"/>
+              <a:t>מחייב ירושה מעצמו בלבד</a:t>
+            </a:r>
+          </a:p>
+          <a:p>
             <a:pPr algn="r" rtl="1"/>
             <a:r>
               <a:rPr lang="he-IL" dirty="0"/>
@@ -7761,13 +7767,6 @@
             <a:r>
               <a:rPr lang="he-IL" dirty="0"/>
               <a:t>מספק מימוש חלקי/בסיסי</a:t>
-            </a:r>
-          </a:p>
-          <a:p>
-            <a:pPr algn="r" rtl="1"/>
-            <a:r>
-              <a:rPr lang="he-IL" dirty="0"/>
-              <a:t>מחייב ירושה מעצמו בלבד</a:t>
             </a:r>
           </a:p>
           <a:p>
@@ -7916,7 +7915,7 @@
             </a:r>
             <a:r>
               <a:rPr lang="he-IL" dirty="0"/>
-              <a:t> – מאפשר השוואה בין מופעים בשביל לסדר אותם</a:t>
+              <a:t> – תומך בהשוואה בין מופעים בשביל לסדר אותם</a:t>
             </a:r>
           </a:p>
           <a:p>
@@ -7927,7 +7926,15 @@
             </a:r>
             <a:r>
               <a:rPr lang="he-IL" dirty="0"/>
-              <a:t> – מגדיר מתודה לשחרור משאבים שמוקצים לאובייקט</a:t>
+              <a:t> – תומך בשחרור משאבים שמוקצים לאובייקט (מאפשר שימוש ב</a:t>
+            </a:r>
+            <a:r>
+              <a:rPr lang="en-US" dirty="0"/>
+              <a:t>using</a:t>
+            </a:r>
+            <a:r>
+              <a:rPr lang="he-IL" dirty="0"/>
+              <a:t>)</a:t>
             </a:r>
           </a:p>
           <a:p>
@@ -7938,7 +7945,7 @@
             </a:r>
             <a:r>
               <a:rPr lang="he-IL" dirty="0"/>
-              <a:t> – מגדיר אנומרטור שמאפשר לדלג בין אברים במערך בלולאת </a:t>
+              <a:t> – תומך במניה. מגדיר אנומרטור שמאפשר לדלג בין אברים במערך בלולאת </a:t>
             </a:r>
             <a:r>
               <a:rPr lang="en-US" dirty="0" err="1"/>
@@ -8312,7 +8319,7 @@
             </a:r>
             <a:r>
               <a:rPr lang="he-IL" dirty="0"/>
-              <a:t>– משמש להודיע למאזינים שמקושרים למשתנה על שינוי בו</a:t>
+              <a:t>– משמש להודיע למאזינים שמקושרים לאובייקט על שינוי בו</a:t>
             </a:r>
           </a:p>
           <a:p>
@@ -8331,7 +8338,15 @@
             </a:r>
             <a:r>
               <a:rPr lang="he-IL" dirty="0"/>
-              <a:t>– מגדיר מתודות לניהול רשימה של אובייקטים</a:t>
+              <a:t>– תומך בפעולות של </a:t>
+            </a:r>
+            <a:r>
+              <a:rPr lang="en-US" dirty="0"/>
+              <a:t>List</a:t>
+            </a:r>
+            <a:r>
+              <a:rPr lang="he-IL" dirty="0"/>
+              <a:t>. מגדיר מתודות לניהול רשימה של אובייקטים</a:t>
             </a:r>
           </a:p>
           <a:p>
@@ -8350,7 +8365,15 @@
             </a:r>
             <a:r>
               <a:rPr lang="he-IL" dirty="0"/>
-              <a:t>– מגדיר מתודות לניהול של אוסף של אובייקטים</a:t>
+              <a:t>– תומך בפעולות של </a:t>
+            </a:r>
+            <a:r>
+              <a:rPr lang="en-US" dirty="0"/>
+              <a:t>Collection</a:t>
+            </a:r>
+            <a:r>
+              <a:rPr lang="he-IL" dirty="0"/>
+              <a:t>. מגדיר מתודות לניהול של אוסף של אובייקטים</a:t>
             </a:r>
           </a:p>
           <a:p>
@@ -8861,7 +8884,7 @@
             <a:pPr algn="r" rtl="1"/>
             <a:r>
               <a:rPr lang="he-IL" sz="2800" dirty="0"/>
-              <a:t>עבור כמות קטנה של נתונים קיים </a:t>
+              <a:t>אם יש חשיבות לסדר האיברים ניתן להשתמש ב</a:t>
             </a:r>
             <a:r>
               <a:rPr lang="en-US" sz="2800" dirty="0" err="1"/>
@@ -8869,7 +8892,7 @@
             </a:r>
             <a:r>
               <a:rPr lang="he-IL" sz="2800" dirty="0"/>
-              <a:t> שמנהלת את סדר הנתונים</a:t>
+              <a:t> שמנהלת את סדר הנתונים ומאפשרת חיפוש בינארי</a:t>
             </a:r>
           </a:p>
           <a:p>
@@ -8907,7 +8930,7 @@
           <a:p>
             <a:pPr algn="r" rtl="1"/>
             <a:r>
-              <a:rPr lang="he-IL" sz="2800">
+              <a:rPr lang="he-IL" sz="2800" dirty="0">
                 <a:hlinkClick r:id="rId3" action="ppaction://program"/>
               </a:rPr>
               <a:t>דוגמא 15</a:t>
@@ -9113,8 +9136,13 @@
             </a:pPr>
             <a:r>
               <a:rPr lang="he-IL" dirty="0"/>
-              <a:t>מבנה כללי</a:t>
-            </a:r>
+              <a:t>מבנה כללי של </a:t>
+            </a:r>
+            <a:r>
+              <a:rPr lang="he-IL" dirty="0" err="1"/>
+              <a:t>תוכנית</a:t>
+            </a:r>
+            <a:endParaRPr lang="he-IL" dirty="0"/>
           </a:p>
           <a:p>
             <a:pPr>
@@ -9635,17 +9663,6 @@
         <p:txBody>
           <a:bodyPr/>
           <a:lstStyle/>
-          <a:p>
-            <a:r>
-              <a:rPr lang="he-IL" dirty="0"/>
-              <a:t>שפת </a:t>
-            </a:r>
-            <a:r>
-              <a:rPr lang="en-US" dirty="0"/>
-              <a:t>C</a:t>
-            </a:r>
-            <a:endParaRPr lang="he-IL" dirty="0"/>
-          </a:p>
           <a:p>
             <a:r>
               <a:rPr lang="he-IL" dirty="0"/>
@@ -11286,142 +11303,6 @@
 </file>
 
 <file path=customXml/item1.xml><?xml version="1.0" encoding="utf-8"?>
-<p:properties xmlns:p="http://schemas.microsoft.com/office/2006/metadata/properties" xmlns:xsi="http://www.w3.org/2001/XMLSchema-instance" xmlns:pc="http://schemas.microsoft.com/office/infopath/2007/PartnerControls">
-  <documentManagement>
-    <DirectSourceMarket xmlns="4873beb7-5857-4685-be1f-d57550cc96cc" xsi:nil="true"/>
-    <ApprovalStatus xmlns="4873beb7-5857-4685-be1f-d57550cc96cc">InProgress</ApprovalStatus>
-    <MarketSpecific xmlns="4873beb7-5857-4685-be1f-d57550cc96cc">false</MarketSpecific>
-    <LocComments xmlns="4873beb7-5857-4685-be1f-d57550cc96cc" xsi:nil="true"/>
-    <ThumbnailAssetId xmlns="4873beb7-5857-4685-be1f-d57550cc96cc" xsi:nil="true"/>
-    <PrimaryImageGen xmlns="4873beb7-5857-4685-be1f-d57550cc96cc">true</PrimaryImageGen>
-    <LegacyData xmlns="4873beb7-5857-4685-be1f-d57550cc96cc" xsi:nil="true"/>
-    <LocRecommendedHandoff xmlns="4873beb7-5857-4685-be1f-d57550cc96cc" xsi:nil="true"/>
-    <BusinessGroup xmlns="4873beb7-5857-4685-be1f-d57550cc96cc" xsi:nil="true"/>
-    <BlockPublish xmlns="4873beb7-5857-4685-be1f-d57550cc96cc">false</BlockPublish>
-    <TPFriendlyName xmlns="4873beb7-5857-4685-be1f-d57550cc96cc" xsi:nil="true"/>
-    <NumericId xmlns="4873beb7-5857-4685-be1f-d57550cc96cc" xsi:nil="true"/>
-    <APEditor xmlns="4873beb7-5857-4685-be1f-d57550cc96cc">
-      <UserInfo>
-        <DisplayName/>
-        <AccountId xsi:nil="true"/>
-        <AccountType/>
-      </UserInfo>
-    </APEditor>
-    <SourceTitle xmlns="4873beb7-5857-4685-be1f-d57550cc96cc" xsi:nil="true"/>
-    <OpenTemplate xmlns="4873beb7-5857-4685-be1f-d57550cc96cc">true</OpenTemplate>
-    <UALocComments xmlns="4873beb7-5857-4685-be1f-d57550cc96cc" xsi:nil="true"/>
-    <ParentAssetId xmlns="4873beb7-5857-4685-be1f-d57550cc96cc" xsi:nil="true"/>
-    <IntlLangReviewDate xmlns="4873beb7-5857-4685-be1f-d57550cc96cc" xsi:nil="true"/>
-    <FeatureTagsTaxHTField0 xmlns="4873beb7-5857-4685-be1f-d57550cc96cc">
-      <Terms xmlns="http://schemas.microsoft.com/office/infopath/2007/PartnerControls"/>
-    </FeatureTagsTaxHTField0>
-    <PublishStatusLookup xmlns="4873beb7-5857-4685-be1f-d57550cc96cc">
-      <Value>1564227</Value>
-    </PublishStatusLookup>
-    <Providers xmlns="4873beb7-5857-4685-be1f-d57550cc96cc" xsi:nil="true"/>
-    <MachineTranslated xmlns="4873beb7-5857-4685-be1f-d57550cc96cc">false</MachineTranslated>
-    <OriginalSourceMarket xmlns="4873beb7-5857-4685-be1f-d57550cc96cc" xsi:nil="true"/>
-    <APDescription xmlns="4873beb7-5857-4685-be1f-d57550cc96cc">Take your audience through a digital tunnel where they'll  burst through to the other side and see the information you want to present. Show them lists, charts, tables, SmartArt,  and pictures using a variety of layouts in widescreen (16X9) format. This design works well for subjects on science and technology, computers, communication, and more.   
-</APDescription>
-    <ClipArtFilename xmlns="4873beb7-5857-4685-be1f-d57550cc96cc" xsi:nil="true"/>
-    <ContentItem xmlns="4873beb7-5857-4685-be1f-d57550cc96cc" xsi:nil="true"/>
-    <TPInstallLocation xmlns="4873beb7-5857-4685-be1f-d57550cc96cc" xsi:nil="true"/>
-    <PublishTargets xmlns="4873beb7-5857-4685-be1f-d57550cc96cc">OfficeOnlineVNext</PublishTargets>
-    <TimesCloned xmlns="4873beb7-5857-4685-be1f-d57550cc96cc" xsi:nil="true"/>
-    <AssetStart xmlns="4873beb7-5857-4685-be1f-d57550cc96cc">2012-05-11T02:04:00+00:00</AssetStart>
-    <Provider xmlns="4873beb7-5857-4685-be1f-d57550cc96cc" xsi:nil="true"/>
-    <AcquiredFrom xmlns="4873beb7-5857-4685-be1f-d57550cc96cc">Internal MS</AcquiredFrom>
-    <FriendlyTitle xmlns="4873beb7-5857-4685-be1f-d57550cc96cc" xsi:nil="true"/>
-    <LastHandOff xmlns="4873beb7-5857-4685-be1f-d57550cc96cc" xsi:nil="true"/>
-    <TPClientViewer xmlns="4873beb7-5857-4685-be1f-d57550cc96cc" xsi:nil="true"/>
-    <UACurrentWords xmlns="4873beb7-5857-4685-be1f-d57550cc96cc" xsi:nil="true"/>
-    <ArtSampleDocs xmlns="4873beb7-5857-4685-be1f-d57550cc96cc" xsi:nil="true"/>
-    <UALocRecommendation xmlns="4873beb7-5857-4685-be1f-d57550cc96cc">Localize</UALocRecommendation>
-    <Manager xmlns="4873beb7-5857-4685-be1f-d57550cc96cc" xsi:nil="true"/>
-    <ShowIn xmlns="4873beb7-5857-4685-be1f-d57550cc96cc">Show everywhere</ShowIn>
-    <UANotes xmlns="4873beb7-5857-4685-be1f-d57550cc96cc" xsi:nil="true"/>
-    <TemplateStatus xmlns="4873beb7-5857-4685-be1f-d57550cc96cc">Complete</TemplateStatus>
-    <InternalTagsTaxHTField0 xmlns="4873beb7-5857-4685-be1f-d57550cc96cc">
-      <Terms xmlns="http://schemas.microsoft.com/office/infopath/2007/PartnerControls"/>
-    </InternalTagsTaxHTField0>
-    <CSXHash xmlns="4873beb7-5857-4685-be1f-d57550cc96cc" xsi:nil="true"/>
-    <Downloads xmlns="4873beb7-5857-4685-be1f-d57550cc96cc">0</Downloads>
-    <VoteCount xmlns="4873beb7-5857-4685-be1f-d57550cc96cc" xsi:nil="true"/>
-    <OOCacheId xmlns="4873beb7-5857-4685-be1f-d57550cc96cc" xsi:nil="true"/>
-    <IsDeleted xmlns="4873beb7-5857-4685-be1f-d57550cc96cc">false</IsDeleted>
-    <AssetExpire xmlns="4873beb7-5857-4685-be1f-d57550cc96cc">2029-01-01T08:00:00+00:00</AssetExpire>
-    <DSATActionTaken xmlns="4873beb7-5857-4685-be1f-d57550cc96cc" xsi:nil="true"/>
-    <CSXSubmissionMarket xmlns="4873beb7-5857-4685-be1f-d57550cc96cc" xsi:nil="true"/>
-    <TPExecutable xmlns="4873beb7-5857-4685-be1f-d57550cc96cc" xsi:nil="true"/>
-    <SubmitterId xmlns="4873beb7-5857-4685-be1f-d57550cc96cc" xsi:nil="true"/>
-    <EditorialTags xmlns="4873beb7-5857-4685-be1f-d57550cc96cc" xsi:nil="true"/>
-    <ApprovalLog xmlns="4873beb7-5857-4685-be1f-d57550cc96cc" xsi:nil="true"/>
-    <AssetType xmlns="4873beb7-5857-4685-be1f-d57550cc96cc">TP</AssetType>
-    <BugNumber xmlns="4873beb7-5857-4685-be1f-d57550cc96cc" xsi:nil="true"/>
-    <CSXSubmissionDate xmlns="4873beb7-5857-4685-be1f-d57550cc96cc" xsi:nil="true"/>
-    <CSXUpdate xmlns="4873beb7-5857-4685-be1f-d57550cc96cc">false</CSXUpdate>
-    <Milestone xmlns="4873beb7-5857-4685-be1f-d57550cc96cc" xsi:nil="true"/>
-    <RecommendationsModifier xmlns="4873beb7-5857-4685-be1f-d57550cc96cc" xsi:nil="true"/>
-    <OriginAsset xmlns="4873beb7-5857-4685-be1f-d57550cc96cc" xsi:nil="true"/>
-    <TPComponent xmlns="4873beb7-5857-4685-be1f-d57550cc96cc" xsi:nil="true"/>
-    <AssetId xmlns="4873beb7-5857-4685-be1f-d57550cc96cc">TP102895246</AssetId>
-    <IntlLocPriority xmlns="4873beb7-5857-4685-be1f-d57550cc96cc" xsi:nil="true"/>
-    <PolicheckWords xmlns="4873beb7-5857-4685-be1f-d57550cc96cc" xsi:nil="true"/>
-    <TPLaunchHelpLink xmlns="4873beb7-5857-4685-be1f-d57550cc96cc" xsi:nil="true"/>
-    <TPApplication xmlns="4873beb7-5857-4685-be1f-d57550cc96cc" xsi:nil="true"/>
-    <CrawlForDependencies xmlns="4873beb7-5857-4685-be1f-d57550cc96cc">false</CrawlForDependencies>
-    <HandoffToMSDN xmlns="4873beb7-5857-4685-be1f-d57550cc96cc" xsi:nil="true"/>
-    <PlannedPubDate xmlns="4873beb7-5857-4685-be1f-d57550cc96cc" xsi:nil="true"/>
-    <IntlLangReviewer xmlns="4873beb7-5857-4685-be1f-d57550cc96cc" xsi:nil="true"/>
-    <TrustLevel xmlns="4873beb7-5857-4685-be1f-d57550cc96cc">1 Microsoft Managed Content</TrustLevel>
-    <LocLastLocAttemptVersionLookup xmlns="4873beb7-5857-4685-be1f-d57550cc96cc">835483</LocLastLocAttemptVersionLookup>
-    <IsSearchable xmlns="4873beb7-5857-4685-be1f-d57550cc96cc">true</IsSearchable>
-    <TemplateTemplateType xmlns="4873beb7-5857-4685-be1f-d57550cc96cc">PowerPoint Presentation Template</TemplateTemplateType>
-    <CampaignTagsTaxHTField0 xmlns="4873beb7-5857-4685-be1f-d57550cc96cc">
-      <Terms xmlns="http://schemas.microsoft.com/office/infopath/2007/PartnerControls"/>
-    </CampaignTagsTaxHTField0>
-    <TPNamespace xmlns="4873beb7-5857-4685-be1f-d57550cc96cc" xsi:nil="true"/>
-    <TaxCatchAll xmlns="4873beb7-5857-4685-be1f-d57550cc96cc"/>
-    <Markets xmlns="4873beb7-5857-4685-be1f-d57550cc96cc"/>
-    <UAProjectedTotalWords xmlns="4873beb7-5857-4685-be1f-d57550cc96cc" xsi:nil="true"/>
-    <IntlLangReview xmlns="4873beb7-5857-4685-be1f-d57550cc96cc">false</IntlLangReview>
-    <OutputCachingOn xmlns="4873beb7-5857-4685-be1f-d57550cc96cc">false</OutputCachingOn>
-    <AverageRating xmlns="4873beb7-5857-4685-be1f-d57550cc96cc" xsi:nil="true"/>
-    <APAuthor xmlns="4873beb7-5857-4685-be1f-d57550cc96cc">
-      <UserInfo>
-        <DisplayName>REDMOND\v-vaddu</DisplayName>
-        <AccountId>2567</AccountId>
-        <AccountType/>
-      </UserInfo>
-    </APAuthor>
-    <LocManualTestRequired xmlns="4873beb7-5857-4685-be1f-d57550cc96cc">false</LocManualTestRequired>
-    <TPCommandLine xmlns="4873beb7-5857-4685-be1f-d57550cc96cc" xsi:nil="true"/>
-    <TPAppVersion xmlns="4873beb7-5857-4685-be1f-d57550cc96cc" xsi:nil="true"/>
-    <EditorialStatus xmlns="4873beb7-5857-4685-be1f-d57550cc96cc">Complete</EditorialStatus>
-    <LastModifiedDateTime xmlns="4873beb7-5857-4685-be1f-d57550cc96cc" xsi:nil="true"/>
-    <ScenarioTagsTaxHTField0 xmlns="4873beb7-5857-4685-be1f-d57550cc96cc">
-      <Terms xmlns="http://schemas.microsoft.com/office/infopath/2007/PartnerControls"/>
-    </ScenarioTagsTaxHTField0>
-    <OriginalRelease xmlns="4873beb7-5857-4685-be1f-d57550cc96cc">15</OriginalRelease>
-    <TPLaunchHelpLinkType xmlns="4873beb7-5857-4685-be1f-d57550cc96cc">Template</TPLaunchHelpLinkType>
-    <LocalizationTagsTaxHTField0 xmlns="4873beb7-5857-4685-be1f-d57550cc96cc">
-      <Terms xmlns="http://schemas.microsoft.com/office/infopath/2007/PartnerControls"/>
-    </LocalizationTagsTaxHTField0>
-    <LocMarketGroupTiers2 xmlns="4873beb7-5857-4685-be1f-d57550cc96cc" xsi:nil="true"/>
-  </documentManagement>
-</p:properties>
-</file>
-
-<file path=customXml/item2.xml><?xml version="1.0" encoding="utf-8"?>
-<?mso-contentType ?>
-<FormTemplates xmlns="http://schemas.microsoft.com/sharepoint/v3/contenttype/forms">
-  <Display>DocumentLibraryForm</Display>
-  <Edit>AssetEditForm</Edit>
-  <New>DocumentLibraryForm</New>
-</FormTemplates>
-</file>
-
-<file path=customXml/item3.xml><?xml version="1.0" encoding="utf-8"?>
 <ct:contentTypeSchema xmlns:ct="http://schemas.microsoft.com/office/2006/metadata/contentType" xmlns:ma="http://schemas.microsoft.com/office/2006/metadata/properties/metaAttributes" ct:_="" ma:_="" ma:contentTypeName="TemplateFile" ma:contentTypeID="0x0101006EDDDB5EE6D98C44930B742096920B300400F5B6D36B3EF94B4E9A635CDF2A18F5B8" ma:contentTypeVersion="72" ma:contentTypeDescription="Create a new document." ma:contentTypeScope="" ma:versionID="a23e56308344d904b51738559c3d67c9">
   <xsd:schema xmlns:xsd="http://www.w3.org/2001/XMLSchema" xmlns:xs="http://www.w3.org/2001/XMLSchema" xmlns:p="http://schemas.microsoft.com/office/2006/metadata/properties" xmlns:ns2="4873beb7-5857-4685-be1f-d57550cc96cc" targetNamespace="http://schemas.microsoft.com/office/2006/metadata/properties" ma:root="true" ma:fieldsID="cd0908cc4600e77bf5da051303e00c8d" ns2:_="">
     <xsd:import namespace="4873beb7-5857-4685-be1f-d57550cc96cc"/>
@@ -12461,7 +12342,161 @@
 </ct:contentTypeSchema>
 </file>
 
+<file path=customXml/item2.xml><?xml version="1.0" encoding="utf-8"?>
+<p:properties xmlns:p="http://schemas.microsoft.com/office/2006/metadata/properties" xmlns:xsi="http://www.w3.org/2001/XMLSchema-instance" xmlns:pc="http://schemas.microsoft.com/office/infopath/2007/PartnerControls">
+  <documentManagement>
+    <DirectSourceMarket xmlns="4873beb7-5857-4685-be1f-d57550cc96cc" xsi:nil="true"/>
+    <ApprovalStatus xmlns="4873beb7-5857-4685-be1f-d57550cc96cc">InProgress</ApprovalStatus>
+    <MarketSpecific xmlns="4873beb7-5857-4685-be1f-d57550cc96cc">false</MarketSpecific>
+    <LocComments xmlns="4873beb7-5857-4685-be1f-d57550cc96cc" xsi:nil="true"/>
+    <ThumbnailAssetId xmlns="4873beb7-5857-4685-be1f-d57550cc96cc" xsi:nil="true"/>
+    <PrimaryImageGen xmlns="4873beb7-5857-4685-be1f-d57550cc96cc">true</PrimaryImageGen>
+    <LegacyData xmlns="4873beb7-5857-4685-be1f-d57550cc96cc" xsi:nil="true"/>
+    <LocRecommendedHandoff xmlns="4873beb7-5857-4685-be1f-d57550cc96cc" xsi:nil="true"/>
+    <BusinessGroup xmlns="4873beb7-5857-4685-be1f-d57550cc96cc" xsi:nil="true"/>
+    <BlockPublish xmlns="4873beb7-5857-4685-be1f-d57550cc96cc">false</BlockPublish>
+    <TPFriendlyName xmlns="4873beb7-5857-4685-be1f-d57550cc96cc" xsi:nil="true"/>
+    <NumericId xmlns="4873beb7-5857-4685-be1f-d57550cc96cc" xsi:nil="true"/>
+    <APEditor xmlns="4873beb7-5857-4685-be1f-d57550cc96cc">
+      <UserInfo>
+        <DisplayName/>
+        <AccountId xsi:nil="true"/>
+        <AccountType/>
+      </UserInfo>
+    </APEditor>
+    <SourceTitle xmlns="4873beb7-5857-4685-be1f-d57550cc96cc" xsi:nil="true"/>
+    <OpenTemplate xmlns="4873beb7-5857-4685-be1f-d57550cc96cc">true</OpenTemplate>
+    <UALocComments xmlns="4873beb7-5857-4685-be1f-d57550cc96cc" xsi:nil="true"/>
+    <ParentAssetId xmlns="4873beb7-5857-4685-be1f-d57550cc96cc" xsi:nil="true"/>
+    <IntlLangReviewDate xmlns="4873beb7-5857-4685-be1f-d57550cc96cc" xsi:nil="true"/>
+    <FeatureTagsTaxHTField0 xmlns="4873beb7-5857-4685-be1f-d57550cc96cc">
+      <Terms xmlns="http://schemas.microsoft.com/office/infopath/2007/PartnerControls"/>
+    </FeatureTagsTaxHTField0>
+    <PublishStatusLookup xmlns="4873beb7-5857-4685-be1f-d57550cc96cc">
+      <Value>1564227</Value>
+    </PublishStatusLookup>
+    <Providers xmlns="4873beb7-5857-4685-be1f-d57550cc96cc" xsi:nil="true"/>
+    <MachineTranslated xmlns="4873beb7-5857-4685-be1f-d57550cc96cc">false</MachineTranslated>
+    <OriginalSourceMarket xmlns="4873beb7-5857-4685-be1f-d57550cc96cc" xsi:nil="true"/>
+    <APDescription xmlns="4873beb7-5857-4685-be1f-d57550cc96cc">Take your audience through a digital tunnel where they'll  burst through to the other side and see the information you want to present. Show them lists, charts, tables, SmartArt,  and pictures using a variety of layouts in widescreen (16X9) format. This design works well for subjects on science and technology, computers, communication, and more.   
+</APDescription>
+    <ClipArtFilename xmlns="4873beb7-5857-4685-be1f-d57550cc96cc" xsi:nil="true"/>
+    <ContentItem xmlns="4873beb7-5857-4685-be1f-d57550cc96cc" xsi:nil="true"/>
+    <TPInstallLocation xmlns="4873beb7-5857-4685-be1f-d57550cc96cc" xsi:nil="true"/>
+    <PublishTargets xmlns="4873beb7-5857-4685-be1f-d57550cc96cc">OfficeOnlineVNext</PublishTargets>
+    <TimesCloned xmlns="4873beb7-5857-4685-be1f-d57550cc96cc" xsi:nil="true"/>
+    <AssetStart xmlns="4873beb7-5857-4685-be1f-d57550cc96cc">2012-05-11T02:04:00+00:00</AssetStart>
+    <Provider xmlns="4873beb7-5857-4685-be1f-d57550cc96cc" xsi:nil="true"/>
+    <AcquiredFrom xmlns="4873beb7-5857-4685-be1f-d57550cc96cc">Internal MS</AcquiredFrom>
+    <FriendlyTitle xmlns="4873beb7-5857-4685-be1f-d57550cc96cc" xsi:nil="true"/>
+    <LastHandOff xmlns="4873beb7-5857-4685-be1f-d57550cc96cc" xsi:nil="true"/>
+    <TPClientViewer xmlns="4873beb7-5857-4685-be1f-d57550cc96cc" xsi:nil="true"/>
+    <UACurrentWords xmlns="4873beb7-5857-4685-be1f-d57550cc96cc" xsi:nil="true"/>
+    <ArtSampleDocs xmlns="4873beb7-5857-4685-be1f-d57550cc96cc" xsi:nil="true"/>
+    <UALocRecommendation xmlns="4873beb7-5857-4685-be1f-d57550cc96cc">Localize</UALocRecommendation>
+    <Manager xmlns="4873beb7-5857-4685-be1f-d57550cc96cc" xsi:nil="true"/>
+    <ShowIn xmlns="4873beb7-5857-4685-be1f-d57550cc96cc">Show everywhere</ShowIn>
+    <UANotes xmlns="4873beb7-5857-4685-be1f-d57550cc96cc" xsi:nil="true"/>
+    <TemplateStatus xmlns="4873beb7-5857-4685-be1f-d57550cc96cc">Complete</TemplateStatus>
+    <InternalTagsTaxHTField0 xmlns="4873beb7-5857-4685-be1f-d57550cc96cc">
+      <Terms xmlns="http://schemas.microsoft.com/office/infopath/2007/PartnerControls"/>
+    </InternalTagsTaxHTField0>
+    <CSXHash xmlns="4873beb7-5857-4685-be1f-d57550cc96cc" xsi:nil="true"/>
+    <Downloads xmlns="4873beb7-5857-4685-be1f-d57550cc96cc">0</Downloads>
+    <VoteCount xmlns="4873beb7-5857-4685-be1f-d57550cc96cc" xsi:nil="true"/>
+    <OOCacheId xmlns="4873beb7-5857-4685-be1f-d57550cc96cc" xsi:nil="true"/>
+    <IsDeleted xmlns="4873beb7-5857-4685-be1f-d57550cc96cc">false</IsDeleted>
+    <AssetExpire xmlns="4873beb7-5857-4685-be1f-d57550cc96cc">2029-01-01T08:00:00+00:00</AssetExpire>
+    <DSATActionTaken xmlns="4873beb7-5857-4685-be1f-d57550cc96cc" xsi:nil="true"/>
+    <CSXSubmissionMarket xmlns="4873beb7-5857-4685-be1f-d57550cc96cc" xsi:nil="true"/>
+    <TPExecutable xmlns="4873beb7-5857-4685-be1f-d57550cc96cc" xsi:nil="true"/>
+    <SubmitterId xmlns="4873beb7-5857-4685-be1f-d57550cc96cc" xsi:nil="true"/>
+    <EditorialTags xmlns="4873beb7-5857-4685-be1f-d57550cc96cc" xsi:nil="true"/>
+    <ApprovalLog xmlns="4873beb7-5857-4685-be1f-d57550cc96cc" xsi:nil="true"/>
+    <AssetType xmlns="4873beb7-5857-4685-be1f-d57550cc96cc">TP</AssetType>
+    <BugNumber xmlns="4873beb7-5857-4685-be1f-d57550cc96cc" xsi:nil="true"/>
+    <CSXSubmissionDate xmlns="4873beb7-5857-4685-be1f-d57550cc96cc" xsi:nil="true"/>
+    <CSXUpdate xmlns="4873beb7-5857-4685-be1f-d57550cc96cc">false</CSXUpdate>
+    <Milestone xmlns="4873beb7-5857-4685-be1f-d57550cc96cc" xsi:nil="true"/>
+    <RecommendationsModifier xmlns="4873beb7-5857-4685-be1f-d57550cc96cc" xsi:nil="true"/>
+    <OriginAsset xmlns="4873beb7-5857-4685-be1f-d57550cc96cc" xsi:nil="true"/>
+    <TPComponent xmlns="4873beb7-5857-4685-be1f-d57550cc96cc" xsi:nil="true"/>
+    <AssetId xmlns="4873beb7-5857-4685-be1f-d57550cc96cc">TP102895246</AssetId>
+    <IntlLocPriority xmlns="4873beb7-5857-4685-be1f-d57550cc96cc" xsi:nil="true"/>
+    <PolicheckWords xmlns="4873beb7-5857-4685-be1f-d57550cc96cc" xsi:nil="true"/>
+    <TPLaunchHelpLink xmlns="4873beb7-5857-4685-be1f-d57550cc96cc" xsi:nil="true"/>
+    <TPApplication xmlns="4873beb7-5857-4685-be1f-d57550cc96cc" xsi:nil="true"/>
+    <CrawlForDependencies xmlns="4873beb7-5857-4685-be1f-d57550cc96cc">false</CrawlForDependencies>
+    <HandoffToMSDN xmlns="4873beb7-5857-4685-be1f-d57550cc96cc" xsi:nil="true"/>
+    <PlannedPubDate xmlns="4873beb7-5857-4685-be1f-d57550cc96cc" xsi:nil="true"/>
+    <IntlLangReviewer xmlns="4873beb7-5857-4685-be1f-d57550cc96cc" xsi:nil="true"/>
+    <TrustLevel xmlns="4873beb7-5857-4685-be1f-d57550cc96cc">1 Microsoft Managed Content</TrustLevel>
+    <LocLastLocAttemptVersionLookup xmlns="4873beb7-5857-4685-be1f-d57550cc96cc">835483</LocLastLocAttemptVersionLookup>
+    <IsSearchable xmlns="4873beb7-5857-4685-be1f-d57550cc96cc">true</IsSearchable>
+    <TemplateTemplateType xmlns="4873beb7-5857-4685-be1f-d57550cc96cc">PowerPoint Presentation Template</TemplateTemplateType>
+    <CampaignTagsTaxHTField0 xmlns="4873beb7-5857-4685-be1f-d57550cc96cc">
+      <Terms xmlns="http://schemas.microsoft.com/office/infopath/2007/PartnerControls"/>
+    </CampaignTagsTaxHTField0>
+    <TPNamespace xmlns="4873beb7-5857-4685-be1f-d57550cc96cc" xsi:nil="true"/>
+    <TaxCatchAll xmlns="4873beb7-5857-4685-be1f-d57550cc96cc"/>
+    <Markets xmlns="4873beb7-5857-4685-be1f-d57550cc96cc"/>
+    <UAProjectedTotalWords xmlns="4873beb7-5857-4685-be1f-d57550cc96cc" xsi:nil="true"/>
+    <IntlLangReview xmlns="4873beb7-5857-4685-be1f-d57550cc96cc">false</IntlLangReview>
+    <OutputCachingOn xmlns="4873beb7-5857-4685-be1f-d57550cc96cc">false</OutputCachingOn>
+    <AverageRating xmlns="4873beb7-5857-4685-be1f-d57550cc96cc" xsi:nil="true"/>
+    <APAuthor xmlns="4873beb7-5857-4685-be1f-d57550cc96cc">
+      <UserInfo>
+        <DisplayName>REDMOND\v-vaddu</DisplayName>
+        <AccountId>2567</AccountId>
+        <AccountType/>
+      </UserInfo>
+    </APAuthor>
+    <LocManualTestRequired xmlns="4873beb7-5857-4685-be1f-d57550cc96cc">false</LocManualTestRequired>
+    <TPCommandLine xmlns="4873beb7-5857-4685-be1f-d57550cc96cc" xsi:nil="true"/>
+    <TPAppVersion xmlns="4873beb7-5857-4685-be1f-d57550cc96cc" xsi:nil="true"/>
+    <EditorialStatus xmlns="4873beb7-5857-4685-be1f-d57550cc96cc">Complete</EditorialStatus>
+    <LastModifiedDateTime xmlns="4873beb7-5857-4685-be1f-d57550cc96cc" xsi:nil="true"/>
+    <ScenarioTagsTaxHTField0 xmlns="4873beb7-5857-4685-be1f-d57550cc96cc">
+      <Terms xmlns="http://schemas.microsoft.com/office/infopath/2007/PartnerControls"/>
+    </ScenarioTagsTaxHTField0>
+    <OriginalRelease xmlns="4873beb7-5857-4685-be1f-d57550cc96cc">15</OriginalRelease>
+    <TPLaunchHelpLinkType xmlns="4873beb7-5857-4685-be1f-d57550cc96cc">Template</TPLaunchHelpLinkType>
+    <LocalizationTagsTaxHTField0 xmlns="4873beb7-5857-4685-be1f-d57550cc96cc">
+      <Terms xmlns="http://schemas.microsoft.com/office/infopath/2007/PartnerControls"/>
+    </LocalizationTagsTaxHTField0>
+    <LocMarketGroupTiers2 xmlns="4873beb7-5857-4685-be1f-d57550cc96cc" xsi:nil="true"/>
+  </documentManagement>
+</p:properties>
+</file>
+
+<file path=customXml/item3.xml><?xml version="1.0" encoding="utf-8"?>
+<?mso-contentType ?>
+<FormTemplates xmlns="http://schemas.microsoft.com/sharepoint/v3/contenttype/forms">
+  <Display>DocumentLibraryForm</Display>
+  <Edit>AssetEditForm</Edit>
+  <New>DocumentLibraryForm</New>
+</FormTemplates>
+</file>
+
 <file path=customXml/itemProps1.xml><?xml version="1.0" encoding="utf-8"?>
+<ds:datastoreItem xmlns:ds="http://schemas.openxmlformats.org/officeDocument/2006/customXml" ds:itemID="{22CCB507-0646-4A50-A4F7-7F385079D589}">
+  <ds:schemaRefs>
+    <ds:schemaRef ds:uri="http://schemas.microsoft.com/office/2006/metadata/contentType"/>
+    <ds:schemaRef ds:uri="http://schemas.microsoft.com/office/2006/metadata/properties/metaAttributes"/>
+    <ds:schemaRef ds:uri="http://www.w3.org/2001/XMLSchema"/>
+    <ds:schemaRef ds:uri="http://schemas.microsoft.com/office/2006/metadata/properties"/>
+    <ds:schemaRef ds:uri="4873beb7-5857-4685-be1f-d57550cc96cc"/>
+    <ds:schemaRef ds:uri="http://schemas.microsoft.com/office/2006/documentManagement/types"/>
+    <ds:schemaRef ds:uri="http://schemas.microsoft.com/office/infopath/2007/PartnerControls"/>
+    <ds:schemaRef ds:uri="http://schemas.openxmlformats.org/package/2006/metadata/core-properties"/>
+    <ds:schemaRef ds:uri="http://purl.org/dc/elements/1.1/"/>
+    <ds:schemaRef ds:uri="http://purl.org/dc/terms/"/>
+    <ds:schemaRef ds:uri="http://schemas.microsoft.com/internal/obd"/>
+  </ds:schemaRefs>
+</ds:datastoreItem>
+</file>
+
+<file path=customXml/itemProps2.xml><?xml version="1.0" encoding="utf-8"?>
 <ds:datastoreItem xmlns:ds="http://schemas.openxmlformats.org/officeDocument/2006/customXml" ds:itemID="{00E41224-0370-4595-877C-23316CD80004}">
   <ds:schemaRefs>
     <ds:schemaRef ds:uri="http://schemas.openxmlformats.org/package/2006/metadata/core-properties"/>
@@ -12477,28 +12512,10 @@
 </ds:datastoreItem>
 </file>
 
-<file path=customXml/itemProps2.xml><?xml version="1.0" encoding="utf-8"?>
+<file path=customXml/itemProps3.xml><?xml version="1.0" encoding="utf-8"?>
 <ds:datastoreItem xmlns:ds="http://schemas.openxmlformats.org/officeDocument/2006/customXml" ds:itemID="{74228E6B-D70C-44BB-A81F-A245495F612B}">
   <ds:schemaRefs>
     <ds:schemaRef ds:uri="http://schemas.microsoft.com/sharepoint/v3/contenttype/forms"/>
   </ds:schemaRefs>
 </ds:datastoreItem>
-</file>
-
-<file path=customXml/itemProps3.xml><?xml version="1.0" encoding="utf-8"?>
-<ds:datastoreItem xmlns:ds="http://schemas.openxmlformats.org/officeDocument/2006/customXml" ds:itemID="{22CCB507-0646-4A50-A4F7-7F385079D589}">
-  <ds:schemaRefs>
-    <ds:schemaRef ds:uri="http://schemas.microsoft.com/office/2006/metadata/contentType"/>
-    <ds:schemaRef ds:uri="http://schemas.microsoft.com/office/2006/metadata/properties/metaAttributes"/>
-    <ds:schemaRef ds:uri="http://www.w3.org/2001/XMLSchema"/>
-    <ds:schemaRef ds:uri="http://schemas.microsoft.com/office/2006/metadata/properties"/>
-    <ds:schemaRef ds:uri="4873beb7-5857-4685-be1f-d57550cc96cc"/>
-    <ds:schemaRef ds:uri="http://schemas.microsoft.com/office/2006/documentManagement/types"/>
-    <ds:schemaRef ds:uri="http://schemas.microsoft.com/office/infopath/2007/PartnerControls"/>
-    <ds:schemaRef ds:uri="http://schemas.openxmlformats.org/package/2006/metadata/core-properties"/>
-    <ds:schemaRef ds:uri="http://purl.org/dc/elements/1.1/"/>
-    <ds:schemaRef ds:uri="http://purl.org/dc/terms/"/>
-    <ds:schemaRef ds:uri="http://schemas.microsoft.com/internal/obd"/>
-  </ds:schemaRefs>
-</ds:datastoreItem>
 </file>